--- a/pptx/Portfolio_simple.pptx
+++ b/pptx/Portfolio_simple.pptx
@@ -5,7 +5,7 @@
     <p:sldMasterId id="2147483648" r:id="rId1"/>
   </p:sldMasterIdLst>
   <p:notesMasterIdLst>
-    <p:notesMasterId r:id="rId18"/>
+    <p:notesMasterId r:id="rId19"/>
   </p:notesMasterIdLst>
   <p:sldIdLst>
     <p:sldId id="257" r:id="rId2"/>
@@ -20,26 +20,27 @@
     <p:sldId id="449" r:id="rId11"/>
     <p:sldId id="450" r:id="rId12"/>
     <p:sldId id="451" r:id="rId13"/>
-    <p:sldId id="452" r:id="rId14"/>
-    <p:sldId id="454" r:id="rId15"/>
-    <p:sldId id="456" r:id="rId16"/>
-    <p:sldId id="463" r:id="rId17"/>
+    <p:sldId id="472" r:id="rId14"/>
+    <p:sldId id="452" r:id="rId15"/>
+    <p:sldId id="454" r:id="rId16"/>
+    <p:sldId id="456" r:id="rId17"/>
+    <p:sldId id="463" r:id="rId18"/>
   </p:sldIdLst>
   <p:sldSz cx="12192000" cy="6858000"/>
   <p:notesSz cx="9926638" cy="6797675"/>
   <p:embeddedFontLst>
     <p:embeddedFont>
       <p:font typeface="나눔스퀘어" panose="020B0600000101010101" pitchFamily="50" charset="-127"/>
-      <p:regular r:id="rId19"/>
+      <p:regular r:id="rId20"/>
     </p:embeddedFont>
     <p:embeddedFont>
       <p:font typeface="나눔스퀘어 Bold" panose="020B0600000101010101" pitchFamily="50" charset="-127"/>
-      <p:bold r:id="rId20"/>
+      <p:bold r:id="rId21"/>
     </p:embeddedFont>
     <p:embeddedFont>
       <p:font typeface="맑은 고딕" panose="020B0503020000020004" pitchFamily="50" charset="-127"/>
-      <p:regular r:id="rId21"/>
-      <p:bold r:id="rId22"/>
+      <p:regular r:id="rId22"/>
+      <p:bold r:id="rId23"/>
     </p:embeddedFont>
   </p:embeddedFontLst>
   <p:defaultTextStyle>
@@ -250,7 +251,7 @@
           <a:p>
             <a:fld id="{289194AB-EBD5-4C9B-9331-55B48D2D255A}" type="datetimeFigureOut">
               <a:rPr lang="ko-KR" altLang="en-US" smtClean="0"/>
-              <a:t>2019-09-18</a:t>
+              <a:t>2019-09-26</a:t>
             </a:fld>
             <a:endParaRPr lang="ko-KR" altLang="en-US"/>
           </a:p>
@@ -977,7 +978,7 @@
     </p:spTree>
     <p:extLst>
       <p:ext uri="{BB962C8B-B14F-4D97-AF65-F5344CB8AC3E}">
-        <p14:creationId xmlns:p14="http://schemas.microsoft.com/office/powerpoint/2010/main" val="3926374152"/>
+        <p14:creationId xmlns:p14="http://schemas.microsoft.com/office/powerpoint/2010/main" val="1530880801"/>
       </p:ext>
     </p:extLst>
   </p:cSld>
@@ -1071,7 +1072,7 @@
     </p:spTree>
     <p:extLst>
       <p:ext uri="{BB962C8B-B14F-4D97-AF65-F5344CB8AC3E}">
-        <p14:creationId xmlns:p14="http://schemas.microsoft.com/office/powerpoint/2010/main" val="2539548900"/>
+        <p14:creationId xmlns:p14="http://schemas.microsoft.com/office/powerpoint/2010/main" val="3926374152"/>
       </p:ext>
     </p:extLst>
   </p:cSld>
@@ -1165,7 +1166,7 @@
     </p:spTree>
     <p:extLst>
       <p:ext uri="{BB962C8B-B14F-4D97-AF65-F5344CB8AC3E}">
-        <p14:creationId xmlns:p14="http://schemas.microsoft.com/office/powerpoint/2010/main" val="3875738188"/>
+        <p14:creationId xmlns:p14="http://schemas.microsoft.com/office/powerpoint/2010/main" val="2539548900"/>
       </p:ext>
     </p:extLst>
   </p:cSld>
@@ -1251,6 +1252,100 @@
               <a:rPr lang="ko-KR" altLang="en-US" smtClean="0"/>
               <a:pPr/>
               <a:t>16</a:t>
+            </a:fld>
+            <a:endParaRPr lang="ko-KR" altLang="en-US"/>
+          </a:p>
+        </p:txBody>
+      </p:sp>
+    </p:spTree>
+    <p:extLst>
+      <p:ext uri="{BB962C8B-B14F-4D97-AF65-F5344CB8AC3E}">
+        <p14:creationId xmlns:p14="http://schemas.microsoft.com/office/powerpoint/2010/main" val="3875738188"/>
+      </p:ext>
+    </p:extLst>
+  </p:cSld>
+  <p:clrMapOvr>
+    <a:masterClrMapping/>
+  </p:clrMapOvr>
+</p:notes>
+</file>
+
+<file path=ppt/notesSlides/notesSlide17.xml><?xml version="1.0" encoding="utf-8"?>
+<p:notes xmlns:a="http://schemas.openxmlformats.org/drawingml/2006/main" xmlns:r="http://schemas.openxmlformats.org/officeDocument/2006/relationships" xmlns:p="http://schemas.openxmlformats.org/presentationml/2006/main">
+  <p:cSld>
+    <p:spTree>
+      <p:nvGrpSpPr>
+        <p:cNvPr id="1" name=""/>
+        <p:cNvGrpSpPr/>
+        <p:nvPr/>
+      </p:nvGrpSpPr>
+      <p:grpSpPr>
+        <a:xfrm>
+          <a:off x="0" y="0"/>
+          <a:ext cx="0" cy="0"/>
+          <a:chOff x="0" y="0"/>
+          <a:chExt cx="0" cy="0"/>
+        </a:xfrm>
+      </p:grpSpPr>
+      <p:sp>
+        <p:nvSpPr>
+          <p:cNvPr id="2" name="슬라이드 이미지 개체 틀 1"/>
+          <p:cNvSpPr>
+            <a:spLocks noGrp="1" noRot="1" noChangeAspect="1"/>
+          </p:cNvSpPr>
+          <p:nvPr>
+            <p:ph type="sldImg"/>
+          </p:nvPr>
+        </p:nvSpPr>
+        <p:spPr/>
+      </p:sp>
+      <p:sp>
+        <p:nvSpPr>
+          <p:cNvPr id="3" name="슬라이드 노트 개체 틀 2"/>
+          <p:cNvSpPr>
+            <a:spLocks noGrp="1"/>
+          </p:cNvSpPr>
+          <p:nvPr>
+            <p:ph type="body" idx="1"/>
+          </p:nvPr>
+        </p:nvSpPr>
+        <p:spPr/>
+        <p:txBody>
+          <a:bodyPr/>
+          <a:lstStyle/>
+          <a:p>
+            <a:pPr latinLnBrk="1"/>
+            <a:endParaRPr lang="ko-KR" altLang="ko-KR" sz="1200" kern="1200" dirty="0">
+              <a:solidFill>
+                <a:schemeClr val="tx1"/>
+              </a:solidFill>
+              <a:effectLst/>
+              <a:latin typeface="+mn-lt"/>
+              <a:ea typeface="+mn-ea"/>
+              <a:cs typeface="+mn-cs"/>
+            </a:endParaRPr>
+          </a:p>
+        </p:txBody>
+      </p:sp>
+      <p:sp>
+        <p:nvSpPr>
+          <p:cNvPr id="4" name="슬라이드 번호 개체 틀 3"/>
+          <p:cNvSpPr>
+            <a:spLocks noGrp="1"/>
+          </p:cNvSpPr>
+          <p:nvPr>
+            <p:ph type="sldNum" sz="quarter" idx="10"/>
+          </p:nvPr>
+        </p:nvSpPr>
+        <p:spPr/>
+        <p:txBody>
+          <a:bodyPr/>
+          <a:lstStyle/>
+          <a:p>
+            <a:fld id="{7A90B051-D010-49EC-8A03-DFAA2746BC84}" type="slidenum">
+              <a:rPr lang="ko-KR" altLang="en-US" smtClean="0"/>
+              <a:pPr/>
+              <a:t>17</a:t>
             </a:fld>
             <a:endParaRPr lang="ko-KR" altLang="en-US"/>
           </a:p>
@@ -2173,7 +2268,7 @@
           <a:p>
             <a:fld id="{77308D10-E0FB-4115-BFA1-6152615C391E}" type="datetimeFigureOut">
               <a:rPr lang="ko-KR" altLang="en-US" smtClean="0"/>
-              <a:t>2019-09-18</a:t>
+              <a:t>2019-09-26</a:t>
             </a:fld>
             <a:endParaRPr lang="ko-KR" altLang="en-US"/>
           </a:p>
@@ -2371,7 +2466,7 @@
           <a:p>
             <a:fld id="{77308D10-E0FB-4115-BFA1-6152615C391E}" type="datetimeFigureOut">
               <a:rPr lang="ko-KR" altLang="en-US" smtClean="0"/>
-              <a:t>2019-09-18</a:t>
+              <a:t>2019-09-26</a:t>
             </a:fld>
             <a:endParaRPr lang="ko-KR" altLang="en-US"/>
           </a:p>
@@ -2579,7 +2674,7 @@
           <a:p>
             <a:fld id="{77308D10-E0FB-4115-BFA1-6152615C391E}" type="datetimeFigureOut">
               <a:rPr lang="ko-KR" altLang="en-US" smtClean="0"/>
-              <a:t>2019-09-18</a:t>
+              <a:t>2019-09-26</a:t>
             </a:fld>
             <a:endParaRPr lang="ko-KR" altLang="en-US"/>
           </a:p>
@@ -2777,7 +2872,7 @@
           <a:p>
             <a:fld id="{77308D10-E0FB-4115-BFA1-6152615C391E}" type="datetimeFigureOut">
               <a:rPr lang="ko-KR" altLang="en-US" smtClean="0"/>
-              <a:t>2019-09-18</a:t>
+              <a:t>2019-09-26</a:t>
             </a:fld>
             <a:endParaRPr lang="ko-KR" altLang="en-US"/>
           </a:p>
@@ -3052,7 +3147,7 @@
           <a:p>
             <a:fld id="{77308D10-E0FB-4115-BFA1-6152615C391E}" type="datetimeFigureOut">
               <a:rPr lang="ko-KR" altLang="en-US" smtClean="0"/>
-              <a:t>2019-09-18</a:t>
+              <a:t>2019-09-26</a:t>
             </a:fld>
             <a:endParaRPr lang="ko-KR" altLang="en-US"/>
           </a:p>
@@ -3317,7 +3412,7 @@
           <a:p>
             <a:fld id="{77308D10-E0FB-4115-BFA1-6152615C391E}" type="datetimeFigureOut">
               <a:rPr lang="ko-KR" altLang="en-US" smtClean="0"/>
-              <a:t>2019-09-18</a:t>
+              <a:t>2019-09-26</a:t>
             </a:fld>
             <a:endParaRPr lang="ko-KR" altLang="en-US"/>
           </a:p>
@@ -3729,7 +3824,7 @@
           <a:p>
             <a:fld id="{77308D10-E0FB-4115-BFA1-6152615C391E}" type="datetimeFigureOut">
               <a:rPr lang="ko-KR" altLang="en-US" smtClean="0"/>
-              <a:t>2019-09-18</a:t>
+              <a:t>2019-09-26</a:t>
             </a:fld>
             <a:endParaRPr lang="ko-KR" altLang="en-US"/>
           </a:p>
@@ -3870,7 +3965,7 @@
           <a:p>
             <a:fld id="{77308D10-E0FB-4115-BFA1-6152615C391E}" type="datetimeFigureOut">
               <a:rPr lang="ko-KR" altLang="en-US" smtClean="0"/>
-              <a:t>2019-09-18</a:t>
+              <a:t>2019-09-26</a:t>
             </a:fld>
             <a:endParaRPr lang="ko-KR" altLang="en-US"/>
           </a:p>
@@ -3983,7 +4078,7 @@
           <a:p>
             <a:fld id="{77308D10-E0FB-4115-BFA1-6152615C391E}" type="datetimeFigureOut">
               <a:rPr lang="ko-KR" altLang="en-US" smtClean="0"/>
-              <a:t>2019-09-18</a:t>
+              <a:t>2019-09-26</a:t>
             </a:fld>
             <a:endParaRPr lang="ko-KR" altLang="en-US"/>
           </a:p>
@@ -4294,7 +4389,7 @@
           <a:p>
             <a:fld id="{77308D10-E0FB-4115-BFA1-6152615C391E}" type="datetimeFigureOut">
               <a:rPr lang="ko-KR" altLang="en-US" smtClean="0"/>
-              <a:t>2019-09-18</a:t>
+              <a:t>2019-09-26</a:t>
             </a:fld>
             <a:endParaRPr lang="ko-KR" altLang="en-US"/>
           </a:p>
@@ -4582,7 +4677,7 @@
           <a:p>
             <a:fld id="{77308D10-E0FB-4115-BFA1-6152615C391E}" type="datetimeFigureOut">
               <a:rPr lang="ko-KR" altLang="en-US" smtClean="0"/>
-              <a:t>2019-09-18</a:t>
+              <a:t>2019-09-26</a:t>
             </a:fld>
             <a:endParaRPr lang="ko-KR" altLang="en-US"/>
           </a:p>
@@ -4823,7 +4918,7 @@
           <a:p>
             <a:fld id="{77308D10-E0FB-4115-BFA1-6152615C391E}" type="datetimeFigureOut">
               <a:rPr lang="ko-KR" altLang="en-US" smtClean="0"/>
-              <a:t>2019-09-18</a:t>
+              <a:t>2019-09-26</a:t>
             </a:fld>
             <a:endParaRPr lang="ko-KR" altLang="en-US"/>
           </a:p>
@@ -5439,7 +5534,7 @@
               <a:rPr lang="en-US" altLang="ko-KR" sz="3600" dirty="0">
                 <a:cs typeface="Calibri" panose="020F0502020204030204" pitchFamily="34" charset="0"/>
               </a:rPr>
-              <a:t>2. Papers</a:t>
+              <a:t>2. Papers / Patents</a:t>
             </a:r>
           </a:p>
         </p:txBody>
@@ -5504,7 +5599,7 @@
         <p:spPr>
           <a:xfrm>
             <a:off x="2396284" y="1649529"/>
-            <a:ext cx="6595316" cy="2545377"/>
+            <a:ext cx="6595316" cy="4207370"/>
           </a:xfrm>
           <a:prstGeom prst="rect">
             <a:avLst/>
@@ -5525,7 +5620,7 @@
             </a:pPr>
             <a:r>
               <a:rPr lang="en-US" altLang="ko-KR" dirty="0"/>
-              <a:t>Journal</a:t>
+              <a:t>Papers</a:t>
             </a:r>
           </a:p>
           <a:p>
@@ -5538,7 +5633,33 @@
             </a:pPr>
             <a:r>
               <a:rPr lang="en-US" altLang="ko-KR" dirty="0"/>
+              <a:t>Journal</a:t>
+            </a:r>
+          </a:p>
+          <a:p>
+            <a:pPr marL="1200150" lvl="2" indent="-285750">
+              <a:lnSpc>
+                <a:spcPct val="150000"/>
+              </a:lnSpc>
+              <a:buFont typeface="Arial" panose="020B0604020202020204" pitchFamily="34" charset="0"/>
+              <a:buChar char="•"/>
+            </a:pPr>
+            <a:r>
+              <a:rPr lang="en-US" altLang="ko-KR" dirty="0"/>
               <a:t>International</a:t>
+            </a:r>
+          </a:p>
+          <a:p>
+            <a:pPr marL="1200150" lvl="2" indent="-285750">
+              <a:lnSpc>
+                <a:spcPct val="150000"/>
+              </a:lnSpc>
+              <a:buFont typeface="Arial" panose="020B0604020202020204" pitchFamily="34" charset="0"/>
+              <a:buChar char="•"/>
+            </a:pPr>
+            <a:r>
+              <a:rPr lang="en-US" altLang="ko-KR" dirty="0"/>
+              <a:t>Domestic</a:t>
             </a:r>
           </a:p>
           <a:p>
@@ -5551,6 +5672,32 @@
             </a:pPr>
             <a:r>
               <a:rPr lang="en-US" altLang="ko-KR" dirty="0"/>
+              <a:t>Conference</a:t>
+            </a:r>
+          </a:p>
+          <a:p>
+            <a:pPr marL="1200150" lvl="2" indent="-285750">
+              <a:lnSpc>
+                <a:spcPct val="150000"/>
+              </a:lnSpc>
+              <a:buFont typeface="Arial" panose="020B0604020202020204" pitchFamily="34" charset="0"/>
+              <a:buChar char="•"/>
+            </a:pPr>
+            <a:r>
+              <a:rPr lang="en-US" altLang="ko-KR" dirty="0"/>
+              <a:t>International</a:t>
+            </a:r>
+          </a:p>
+          <a:p>
+            <a:pPr marL="1200150" lvl="2" indent="-285750">
+              <a:lnSpc>
+                <a:spcPct val="150000"/>
+              </a:lnSpc>
+              <a:buFont typeface="Arial" panose="020B0604020202020204" pitchFamily="34" charset="0"/>
+              <a:buChar char="•"/>
+            </a:pPr>
+            <a:r>
+              <a:rPr lang="en-US" altLang="ko-KR" dirty="0"/>
               <a:t>Domestic</a:t>
             </a:r>
           </a:p>
@@ -5564,7 +5711,7 @@
             </a:pPr>
             <a:r>
               <a:rPr lang="en-US" altLang="ko-KR" dirty="0"/>
-              <a:t>Conference</a:t>
+              <a:t>Patents</a:t>
             </a:r>
           </a:p>
           <a:p>
@@ -6157,7 +6304,7 @@
         <p:spPr>
           <a:xfrm>
             <a:off x="429370" y="1015118"/>
-            <a:ext cx="11526982" cy="3016210"/>
+            <a:ext cx="11526982" cy="4524315"/>
           </a:xfrm>
           <a:prstGeom prst="rect">
             <a:avLst/>
@@ -6288,6 +6435,83 @@
             <a:endParaRPr lang="en-US" altLang="ko-KR" sz="1400" dirty="0"/>
           </a:p>
           <a:p>
+            <a:pPr marL="1200150" lvl="2" indent="-285750" fontAlgn="base">
+              <a:buFont typeface="Arial" panose="020B0604020202020204" pitchFamily="34" charset="0"/>
+              <a:buChar char="•"/>
+            </a:pPr>
+            <a:r>
+              <a:rPr lang="en-US" altLang="ko-KR" sz="1400" dirty="0" err="1"/>
+              <a:t>OurRocks</a:t>
+            </a:r>
+            <a:r>
+              <a:rPr lang="en-US" altLang="ko-KR" sz="1400" dirty="0"/>
+              <a:t>: Offloading disk scan directly to GPU in Write-optimized database system</a:t>
+            </a:r>
+          </a:p>
+          <a:p>
+            <a:pPr marL="1657350" lvl="3" indent="-285750" fontAlgn="base">
+              <a:buFont typeface="Arial" panose="020B0604020202020204" pitchFamily="34" charset="0"/>
+              <a:buChar char="•"/>
+            </a:pPr>
+            <a:r>
+              <a:rPr lang="en-US" altLang="ko-KR" sz="1400" dirty="0"/>
+              <a:t>Won Gi Choi, </a:t>
+            </a:r>
+            <a:r>
+              <a:rPr lang="en-US" altLang="ko-KR" sz="1400" u="sng" dirty="0" err="1"/>
+              <a:t>Doyoung</a:t>
+            </a:r>
+            <a:r>
+              <a:rPr lang="en-US" altLang="ko-KR" sz="1400" u="sng" dirty="0"/>
+              <a:t> Kim</a:t>
+            </a:r>
+            <a:r>
+              <a:rPr lang="en-US" altLang="ko-KR" sz="1400" dirty="0"/>
+              <a:t>, </a:t>
+            </a:r>
+            <a:r>
+              <a:rPr lang="en-US" altLang="ko-KR" sz="1400" dirty="0" err="1"/>
+              <a:t>Hongchan</a:t>
+            </a:r>
+            <a:r>
+              <a:rPr lang="en-US" altLang="ko-KR" sz="1400" dirty="0"/>
+              <a:t> </a:t>
+            </a:r>
+            <a:r>
+              <a:rPr lang="en-US" altLang="ko-KR" sz="1400" dirty="0" err="1"/>
+              <a:t>Roh</a:t>
+            </a:r>
+            <a:r>
+              <a:rPr lang="en-US" altLang="ko-KR" sz="1400" dirty="0"/>
+              <a:t>, Sanghyun Park</a:t>
+            </a:r>
+          </a:p>
+          <a:p>
+            <a:pPr marL="1657350" lvl="3" indent="-285750" fontAlgn="base">
+              <a:buFont typeface="Arial" panose="020B0604020202020204" pitchFamily="34" charset="0"/>
+              <a:buChar char="•"/>
+            </a:pPr>
+            <a:r>
+              <a:rPr lang="en-US" altLang="ko-KR" sz="1400" dirty="0"/>
+              <a:t>On</a:t>
+            </a:r>
+            <a:r>
+              <a:rPr lang="ko-KR" altLang="en-US" sz="1400" dirty="0"/>
+              <a:t> </a:t>
+            </a:r>
+            <a:r>
+              <a:rPr lang="en-US" altLang="ko-KR" sz="1400" dirty="0"/>
+              <a:t>Writing…</a:t>
+            </a:r>
+          </a:p>
+          <a:p>
+            <a:pPr marL="1657350" lvl="3" indent="-285750" fontAlgn="base">
+              <a:buFont typeface="Arial" panose="020B0604020202020204" pitchFamily="34" charset="0"/>
+              <a:buChar char="•"/>
+            </a:pPr>
+            <a:endParaRPr lang="en-US" altLang="ko-KR" sz="1400" dirty="0"/>
+          </a:p>
+          <a:p>
             <a:pPr marL="742950" lvl="1" indent="-285750" fontAlgn="base">
               <a:buFont typeface="Arial" panose="020B0604020202020204" pitchFamily="34" charset="0"/>
               <a:buChar char="•"/>
@@ -6400,6 +6624,82 @@
               <a:buChar char="•"/>
             </a:pPr>
             <a:endParaRPr lang="en-US" altLang="ko-KR" sz="1400" dirty="0"/>
+          </a:p>
+          <a:p>
+            <a:pPr marL="1200150" lvl="2" indent="-285750" fontAlgn="base">
+              <a:buFont typeface="Arial" panose="020B0604020202020204" pitchFamily="34" charset="0"/>
+              <a:buChar char="•"/>
+            </a:pPr>
+            <a:r>
+              <a:rPr lang="en-US" altLang="ko-KR" sz="1400" dirty="0"/>
+              <a:t>GPU </a:t>
+            </a:r>
+            <a:r>
+              <a:rPr lang="ko-KR" altLang="en-US" sz="1400" dirty="0"/>
+              <a:t>가속화 필터를 적용한 디스크 기반 키</a:t>
+            </a:r>
+            <a:r>
+              <a:rPr lang="en-US" altLang="ko-KR" sz="1400" dirty="0"/>
+              <a:t>-</a:t>
+            </a:r>
+            <a:r>
+              <a:rPr lang="ko-KR" altLang="en-US" sz="1400" dirty="0"/>
+              <a:t>값 데이터베이스</a:t>
+            </a:r>
+            <a:endParaRPr lang="en-US" altLang="ko-KR" sz="1400" dirty="0"/>
+          </a:p>
+          <a:p>
+            <a:pPr marL="1657350" lvl="3" indent="-285750" fontAlgn="base">
+              <a:buFont typeface="Arial" panose="020B0604020202020204" pitchFamily="34" charset="0"/>
+              <a:buChar char="•"/>
+            </a:pPr>
+            <a:r>
+              <a:rPr lang="ko-KR" altLang="en-US" sz="1400" dirty="0"/>
+              <a:t>김도영</a:t>
+            </a:r>
+            <a:r>
+              <a:rPr lang="en-US" altLang="ko-KR" sz="1400" dirty="0"/>
+              <a:t>, </a:t>
+            </a:r>
+            <a:r>
+              <a:rPr lang="ko-KR" altLang="en-US" sz="1400" dirty="0"/>
+              <a:t>최원기</a:t>
+            </a:r>
+            <a:r>
+              <a:rPr lang="en-US" altLang="ko-KR" sz="1400" dirty="0"/>
+              <a:t>, </a:t>
+            </a:r>
+            <a:r>
+              <a:rPr lang="ko-KR" altLang="en-US" sz="1400" dirty="0" err="1"/>
+              <a:t>노홍찬</a:t>
+            </a:r>
+            <a:r>
+              <a:rPr lang="en-US" altLang="ko-KR" sz="1400" dirty="0"/>
+              <a:t>, </a:t>
+            </a:r>
+            <a:r>
+              <a:rPr lang="ko-KR" altLang="en-US" sz="1400" dirty="0"/>
+              <a:t>박상현</a:t>
+            </a:r>
+            <a:endParaRPr lang="en-US" altLang="ko-KR" sz="1400" dirty="0"/>
+          </a:p>
+          <a:p>
+            <a:pPr marL="1657350" lvl="3" indent="-285750" fontAlgn="base">
+              <a:buFont typeface="Arial" panose="020B0604020202020204" pitchFamily="34" charset="0"/>
+              <a:buChar char="•"/>
+            </a:pPr>
+            <a:r>
+              <a:rPr lang="ko-KR" altLang="en-US" sz="1400" dirty="0" err="1"/>
+              <a:t>정보과학회실제논문지</a:t>
+            </a:r>
+            <a:r>
+              <a:rPr lang="ko-KR" altLang="en-US" sz="1400" dirty="0"/>
+              <a:t> </a:t>
+            </a:r>
+            <a:r>
+              <a:rPr lang="en-US" altLang="ko-KR" sz="1400" dirty="0"/>
+              <a:t>(On Writing…)</a:t>
+            </a:r>
           </a:p>
         </p:txBody>
       </p:sp>
@@ -7398,6 +7698,829 @@
           <a:chExt cx="0" cy="0"/>
         </a:xfrm>
       </p:grpSpPr>
+      <p:grpSp>
+        <p:nvGrpSpPr>
+          <p:cNvPr id="3" name="그룹 2">
+            <a:extLst>
+              <a:ext uri="{FF2B5EF4-FFF2-40B4-BE49-F238E27FC236}">
+                <a16:creationId xmlns:a16="http://schemas.microsoft.com/office/drawing/2014/main" id="{79BD607B-B209-447A-B0B3-B404FC33F4C5}"/>
+              </a:ext>
+            </a:extLst>
+          </p:cNvPr>
+          <p:cNvGrpSpPr/>
+          <p:nvPr/>
+        </p:nvGrpSpPr>
+        <p:grpSpPr>
+          <a:xfrm>
+            <a:off x="-1372" y="6463226"/>
+            <a:ext cx="12193371" cy="394774"/>
+            <a:chOff x="-1371" y="6463226"/>
+            <a:chExt cx="9144000" cy="394774"/>
+          </a:xfrm>
+        </p:grpSpPr>
+        <p:sp>
+          <p:nvSpPr>
+            <p:cNvPr id="13" name="직사각형 12">
+              <a:extLst>
+                <a:ext uri="{FF2B5EF4-FFF2-40B4-BE49-F238E27FC236}">
+                  <a16:creationId xmlns:a16="http://schemas.microsoft.com/office/drawing/2014/main" id="{B5C9959C-41B6-46DB-8487-CE619EFD623C}"/>
+                </a:ext>
+              </a:extLst>
+            </p:cNvPr>
+            <p:cNvSpPr/>
+            <p:nvPr/>
+          </p:nvSpPr>
+          <p:spPr>
+            <a:xfrm>
+              <a:off x="-1371" y="6463226"/>
+              <a:ext cx="9144000" cy="206776"/>
+            </a:xfrm>
+            <a:prstGeom prst="rect">
+              <a:avLst/>
+            </a:prstGeom>
+            <a:solidFill>
+              <a:srgbClr val="F2F2F2"/>
+            </a:solidFill>
+            <a:ln>
+              <a:noFill/>
+            </a:ln>
+          </p:spPr>
+          <p:style>
+            <a:lnRef idx="2">
+              <a:schemeClr val="accent1">
+                <a:shade val="50000"/>
+              </a:schemeClr>
+            </a:lnRef>
+            <a:fillRef idx="1">
+              <a:schemeClr val="accent1"/>
+            </a:fillRef>
+            <a:effectRef idx="0">
+              <a:schemeClr val="accent1"/>
+            </a:effectRef>
+            <a:fontRef idx="minor">
+              <a:schemeClr val="lt1"/>
+            </a:fontRef>
+          </p:style>
+          <p:txBody>
+            <a:bodyPr rtlCol="0" anchor="ctr"/>
+            <a:lstStyle/>
+            <a:p>
+              <a:pPr algn="ctr"/>
+              <a:endParaRPr lang="ko-KR" altLang="en-US" dirty="0"/>
+            </a:p>
+          </p:txBody>
+        </p:sp>
+        <p:sp>
+          <p:nvSpPr>
+            <p:cNvPr id="14" name="직사각형 13">
+              <a:extLst>
+                <a:ext uri="{FF2B5EF4-FFF2-40B4-BE49-F238E27FC236}">
+                  <a16:creationId xmlns:a16="http://schemas.microsoft.com/office/drawing/2014/main" id="{9BD7145D-82EB-49F4-8842-9DD73CAA6D1F}"/>
+                </a:ext>
+              </a:extLst>
+            </p:cNvPr>
+            <p:cNvSpPr/>
+            <p:nvPr/>
+          </p:nvSpPr>
+          <p:spPr>
+            <a:xfrm>
+              <a:off x="-1371" y="6651224"/>
+              <a:ext cx="9144000" cy="206776"/>
+            </a:xfrm>
+            <a:prstGeom prst="rect">
+              <a:avLst/>
+            </a:prstGeom>
+            <a:solidFill>
+              <a:schemeClr val="tx1">
+                <a:lumMod val="75000"/>
+                <a:lumOff val="25000"/>
+              </a:schemeClr>
+            </a:solidFill>
+            <a:ln>
+              <a:noFill/>
+            </a:ln>
+          </p:spPr>
+          <p:style>
+            <a:lnRef idx="2">
+              <a:schemeClr val="accent1">
+                <a:shade val="50000"/>
+              </a:schemeClr>
+            </a:lnRef>
+            <a:fillRef idx="1">
+              <a:schemeClr val="accent1"/>
+            </a:fillRef>
+            <a:effectRef idx="0">
+              <a:schemeClr val="accent1"/>
+            </a:effectRef>
+            <a:fontRef idx="minor">
+              <a:schemeClr val="lt1"/>
+            </a:fontRef>
+          </p:style>
+          <p:txBody>
+            <a:bodyPr rtlCol="0" anchor="ctr"/>
+            <a:lstStyle/>
+            <a:p>
+              <a:pPr algn="ctr"/>
+              <a:endParaRPr lang="ko-KR" altLang="en-US"/>
+            </a:p>
+          </p:txBody>
+        </p:sp>
+      </p:grpSp>
+      <p:grpSp>
+        <p:nvGrpSpPr>
+          <p:cNvPr id="2" name="그룹 1">
+            <a:extLst>
+              <a:ext uri="{FF2B5EF4-FFF2-40B4-BE49-F238E27FC236}">
+                <a16:creationId xmlns:a16="http://schemas.microsoft.com/office/drawing/2014/main" id="{DD26DB70-737E-4B89-AA11-834AFC57A8F2}"/>
+              </a:ext>
+            </a:extLst>
+          </p:cNvPr>
+          <p:cNvGrpSpPr/>
+          <p:nvPr/>
+        </p:nvGrpSpPr>
+        <p:grpSpPr>
+          <a:xfrm>
+            <a:off x="-1372" y="0"/>
+            <a:ext cx="12193371" cy="628192"/>
+            <a:chOff x="-1371" y="0"/>
+            <a:chExt cx="9144000" cy="628192"/>
+          </a:xfrm>
+        </p:grpSpPr>
+        <p:sp>
+          <p:nvSpPr>
+            <p:cNvPr id="16" name="직사각형 15">
+              <a:extLst>
+                <a:ext uri="{FF2B5EF4-FFF2-40B4-BE49-F238E27FC236}">
+                  <a16:creationId xmlns:a16="http://schemas.microsoft.com/office/drawing/2014/main" id="{7B5EC4BA-4C34-4D86-8E72-3BA55F6E8F7B}"/>
+                </a:ext>
+              </a:extLst>
+            </p:cNvPr>
+            <p:cNvSpPr/>
+            <p:nvPr/>
+          </p:nvSpPr>
+          <p:spPr>
+            <a:xfrm>
+              <a:off x="-1371" y="166526"/>
+              <a:ext cx="9144000" cy="461666"/>
+            </a:xfrm>
+            <a:prstGeom prst="rect">
+              <a:avLst/>
+            </a:prstGeom>
+            <a:solidFill>
+              <a:srgbClr val="F2F2F2"/>
+            </a:solidFill>
+            <a:ln>
+              <a:noFill/>
+            </a:ln>
+          </p:spPr>
+          <p:style>
+            <a:lnRef idx="2">
+              <a:schemeClr val="accent1">
+                <a:shade val="50000"/>
+              </a:schemeClr>
+            </a:lnRef>
+            <a:fillRef idx="1">
+              <a:schemeClr val="accent1"/>
+            </a:fillRef>
+            <a:effectRef idx="0">
+              <a:schemeClr val="accent1"/>
+            </a:effectRef>
+            <a:fontRef idx="minor">
+              <a:schemeClr val="lt1"/>
+            </a:fontRef>
+          </p:style>
+          <p:txBody>
+            <a:bodyPr rtlCol="0" anchor="ctr"/>
+            <a:lstStyle/>
+            <a:p>
+              <a:pPr algn="ctr"/>
+              <a:endParaRPr lang="ko-KR" altLang="en-US"/>
+            </a:p>
+          </p:txBody>
+        </p:sp>
+        <p:sp>
+          <p:nvSpPr>
+            <p:cNvPr id="25" name="직사각형 24">
+              <a:extLst>
+                <a:ext uri="{FF2B5EF4-FFF2-40B4-BE49-F238E27FC236}">
+                  <a16:creationId xmlns:a16="http://schemas.microsoft.com/office/drawing/2014/main" id="{EC57564B-14B6-44D8-9A45-33BEC926A423}"/>
+                </a:ext>
+              </a:extLst>
+            </p:cNvPr>
+            <p:cNvSpPr/>
+            <p:nvPr/>
+          </p:nvSpPr>
+          <p:spPr>
+            <a:xfrm>
+              <a:off x="-1371" y="0"/>
+              <a:ext cx="9144000" cy="206776"/>
+            </a:xfrm>
+            <a:prstGeom prst="rect">
+              <a:avLst/>
+            </a:prstGeom>
+            <a:solidFill>
+              <a:schemeClr val="tx1">
+                <a:lumMod val="75000"/>
+                <a:lumOff val="25000"/>
+              </a:schemeClr>
+            </a:solidFill>
+            <a:ln>
+              <a:noFill/>
+            </a:ln>
+          </p:spPr>
+          <p:style>
+            <a:lnRef idx="2">
+              <a:schemeClr val="accent1">
+                <a:shade val="50000"/>
+              </a:schemeClr>
+            </a:lnRef>
+            <a:fillRef idx="1">
+              <a:schemeClr val="accent1"/>
+            </a:fillRef>
+            <a:effectRef idx="0">
+              <a:schemeClr val="accent1"/>
+            </a:effectRef>
+            <a:fontRef idx="minor">
+              <a:schemeClr val="lt1"/>
+            </a:fontRef>
+          </p:style>
+          <p:txBody>
+            <a:bodyPr rtlCol="0" anchor="ctr"/>
+            <a:lstStyle/>
+            <a:p>
+              <a:pPr algn="ctr"/>
+              <a:endParaRPr lang="ko-KR" altLang="en-US"/>
+            </a:p>
+          </p:txBody>
+        </p:sp>
+      </p:grpSp>
+      <p:sp>
+        <p:nvSpPr>
+          <p:cNvPr id="26" name="TextBox 25">
+            <a:extLst>
+              <a:ext uri="{FF2B5EF4-FFF2-40B4-BE49-F238E27FC236}">
+                <a16:creationId xmlns:a16="http://schemas.microsoft.com/office/drawing/2014/main" id="{470D1991-5A4E-452B-A7FC-A45DE388DEBD}"/>
+              </a:ext>
+            </a:extLst>
+          </p:cNvPr>
+          <p:cNvSpPr txBox="1"/>
+          <p:nvPr/>
+        </p:nvSpPr>
+        <p:spPr>
+          <a:xfrm>
+            <a:off x="667880" y="174914"/>
+            <a:ext cx="4241003" cy="461665"/>
+          </a:xfrm>
+          <a:prstGeom prst="rect">
+            <a:avLst/>
+          </a:prstGeom>
+          <a:noFill/>
+        </p:spPr>
+        <p:txBody>
+          <a:bodyPr wrap="square" rtlCol="0">
+            <a:spAutoFit/>
+          </a:bodyPr>
+          <a:lstStyle/>
+          <a:p>
+            <a:r>
+              <a:rPr lang="en-US" altLang="ko-KR" sz="2400" dirty="0">
+                <a:latin typeface="+mj-lt"/>
+                <a:ea typeface="나눔바른고딕OTF Light" panose="02000303000000000000" pitchFamily="50" charset="-127"/>
+              </a:rPr>
+              <a:t>Patents</a:t>
+            </a:r>
+            <a:endParaRPr lang="ko-KR" altLang="en-US" sz="2400" dirty="0">
+              <a:latin typeface="+mj-lt"/>
+              <a:ea typeface="나눔바른고딕OTF Light" panose="02000303000000000000" pitchFamily="50" charset="-127"/>
+            </a:endParaRPr>
+          </a:p>
+        </p:txBody>
+      </p:sp>
+      <p:cxnSp>
+        <p:nvCxnSpPr>
+          <p:cNvPr id="27" name="직선 연결선 26">
+            <a:extLst>
+              <a:ext uri="{FF2B5EF4-FFF2-40B4-BE49-F238E27FC236}">
+                <a16:creationId xmlns:a16="http://schemas.microsoft.com/office/drawing/2014/main" id="{9C528102-5F02-4CAA-84B8-D45E657E92B2}"/>
+              </a:ext>
+            </a:extLst>
+          </p:cNvPr>
+          <p:cNvCxnSpPr>
+            <a:cxnSpLocks/>
+          </p:cNvCxnSpPr>
+          <p:nvPr/>
+        </p:nvCxnSpPr>
+        <p:spPr>
+          <a:xfrm>
+            <a:off x="780739" y="585315"/>
+            <a:ext cx="1781486" cy="0"/>
+          </a:xfrm>
+          <a:prstGeom prst="line">
+            <a:avLst/>
+          </a:prstGeom>
+          <a:ln w="9525">
+            <a:solidFill>
+              <a:schemeClr val="bg1">
+                <a:lumMod val="50000"/>
+              </a:schemeClr>
+            </a:solidFill>
+          </a:ln>
+        </p:spPr>
+        <p:style>
+          <a:lnRef idx="1">
+            <a:schemeClr val="accent1"/>
+          </a:lnRef>
+          <a:fillRef idx="0">
+            <a:schemeClr val="accent1"/>
+          </a:fillRef>
+          <a:effectRef idx="0">
+            <a:schemeClr val="accent1"/>
+          </a:effectRef>
+          <a:fontRef idx="minor">
+            <a:schemeClr val="tx1"/>
+          </a:fontRef>
+        </p:style>
+      </p:cxnSp>
+      <p:grpSp>
+        <p:nvGrpSpPr>
+          <p:cNvPr id="17" name="그룹 16">
+            <a:extLst>
+              <a:ext uri="{FF2B5EF4-FFF2-40B4-BE49-F238E27FC236}">
+                <a16:creationId xmlns:a16="http://schemas.microsoft.com/office/drawing/2014/main" id="{023EEF38-74AA-4B26-A49B-0F55B6C2576F}"/>
+              </a:ext>
+            </a:extLst>
+          </p:cNvPr>
+          <p:cNvGrpSpPr/>
+          <p:nvPr/>
+        </p:nvGrpSpPr>
+        <p:grpSpPr>
+          <a:xfrm>
+            <a:off x="208501" y="199835"/>
+            <a:ext cx="441739" cy="438517"/>
+            <a:chOff x="6059605" y="286603"/>
+            <a:chExt cx="576001" cy="575783"/>
+          </a:xfrm>
+          <a:solidFill>
+            <a:schemeClr val="tx1">
+              <a:lumMod val="75000"/>
+              <a:lumOff val="25000"/>
+            </a:schemeClr>
+          </a:solidFill>
+        </p:grpSpPr>
+        <p:sp>
+          <p:nvSpPr>
+            <p:cNvPr id="18" name="직사각형 17">
+              <a:extLst>
+                <a:ext uri="{FF2B5EF4-FFF2-40B4-BE49-F238E27FC236}">
+                  <a16:creationId xmlns:a16="http://schemas.microsoft.com/office/drawing/2014/main" id="{FF39D1B7-1687-47F2-9F57-FC1DEDDB8DF8}"/>
+                </a:ext>
+              </a:extLst>
+            </p:cNvPr>
+            <p:cNvSpPr/>
+            <p:nvPr/>
+          </p:nvSpPr>
+          <p:spPr>
+            <a:xfrm>
+              <a:off x="6059605" y="286603"/>
+              <a:ext cx="576000" cy="396000"/>
+            </a:xfrm>
+            <a:prstGeom prst="rect">
+              <a:avLst/>
+            </a:prstGeom>
+            <a:grpFill/>
+            <a:ln>
+              <a:noFill/>
+            </a:ln>
+          </p:spPr>
+          <p:style>
+            <a:lnRef idx="2">
+              <a:schemeClr val="accent1">
+                <a:shade val="50000"/>
+              </a:schemeClr>
+            </a:lnRef>
+            <a:fillRef idx="1">
+              <a:schemeClr val="accent1"/>
+            </a:fillRef>
+            <a:effectRef idx="0">
+              <a:schemeClr val="accent1"/>
+            </a:effectRef>
+            <a:fontRef idx="minor">
+              <a:schemeClr val="lt1"/>
+            </a:fontRef>
+          </p:style>
+          <p:txBody>
+            <a:bodyPr rtlCol="0" anchor="ctr"/>
+            <a:lstStyle/>
+            <a:p>
+              <a:pPr algn="ctr"/>
+              <a:r>
+                <a:rPr lang="en-US" altLang="ko-KR" sz="2000" dirty="0"/>
+                <a:t>2</a:t>
+              </a:r>
+              <a:endParaRPr lang="ko-KR" altLang="en-US" sz="2000" dirty="0"/>
+            </a:p>
+          </p:txBody>
+        </p:sp>
+        <p:sp>
+          <p:nvSpPr>
+            <p:cNvPr id="22" name="순서도: 병합 21">
+              <a:extLst>
+                <a:ext uri="{FF2B5EF4-FFF2-40B4-BE49-F238E27FC236}">
+                  <a16:creationId xmlns:a16="http://schemas.microsoft.com/office/drawing/2014/main" id="{B55C180E-01CA-47AA-8905-58ADEB0B390A}"/>
+                </a:ext>
+              </a:extLst>
+            </p:cNvPr>
+            <p:cNvSpPr/>
+            <p:nvPr/>
+          </p:nvSpPr>
+          <p:spPr>
+            <a:xfrm>
+              <a:off x="6059606" y="682386"/>
+              <a:ext cx="576000" cy="180000"/>
+            </a:xfrm>
+            <a:prstGeom prst="flowChartMerge">
+              <a:avLst/>
+            </a:prstGeom>
+            <a:grpFill/>
+            <a:ln>
+              <a:noFill/>
+            </a:ln>
+          </p:spPr>
+          <p:style>
+            <a:lnRef idx="2">
+              <a:schemeClr val="accent1">
+                <a:shade val="50000"/>
+              </a:schemeClr>
+            </a:lnRef>
+            <a:fillRef idx="1">
+              <a:schemeClr val="accent1"/>
+            </a:fillRef>
+            <a:effectRef idx="0">
+              <a:schemeClr val="accent1"/>
+            </a:effectRef>
+            <a:fontRef idx="minor">
+              <a:schemeClr val="lt1"/>
+            </a:fontRef>
+          </p:style>
+          <p:txBody>
+            <a:bodyPr rtlCol="0" anchor="ctr"/>
+            <a:lstStyle/>
+            <a:p>
+              <a:pPr algn="ctr"/>
+              <a:endParaRPr lang="ko-KR" altLang="en-US"/>
+            </a:p>
+          </p:txBody>
+        </p:sp>
+      </p:grpSp>
+      <p:sp>
+        <p:nvSpPr>
+          <p:cNvPr id="50" name="슬라이드 번호 개체 틀 17">
+            <a:extLst>
+              <a:ext uri="{FF2B5EF4-FFF2-40B4-BE49-F238E27FC236}">
+                <a16:creationId xmlns:a16="http://schemas.microsoft.com/office/drawing/2014/main" id="{86CB1A85-0014-459F-A7CB-3DFB148E5E9F}"/>
+              </a:ext>
+            </a:extLst>
+          </p:cNvPr>
+          <p:cNvSpPr>
+            <a:spLocks noGrp="1"/>
+          </p:cNvSpPr>
+          <p:nvPr>
+            <p:ph type="sldNum" sz="quarter" idx="12"/>
+          </p:nvPr>
+        </p:nvSpPr>
+        <p:spPr>
+          <a:xfrm>
+            <a:off x="10009643" y="6374526"/>
+            <a:ext cx="2133600" cy="365125"/>
+          </a:xfrm>
+        </p:spPr>
+        <p:txBody>
+          <a:bodyPr/>
+          <a:lstStyle/>
+          <a:p>
+            <a:fld id="{4F06AD41-88F5-420E-A9F3-AFB7116D4D84}" type="slidenum">
+              <a:rPr lang="ko-KR" altLang="en-US" b="1" smtClean="0">
+                <a:solidFill>
+                  <a:schemeClr val="tx1"/>
+                </a:solidFill>
+              </a:rPr>
+              <a:pPr/>
+              <a:t>13</a:t>
+            </a:fld>
+            <a:endParaRPr lang="ko-KR" altLang="en-US" b="1" dirty="0">
+              <a:solidFill>
+                <a:schemeClr val="tx1"/>
+              </a:solidFill>
+            </a:endParaRPr>
+          </a:p>
+        </p:txBody>
+      </p:sp>
+      <p:sp>
+        <p:nvSpPr>
+          <p:cNvPr id="4" name="TextBox 3">
+            <a:extLst>
+              <a:ext uri="{FF2B5EF4-FFF2-40B4-BE49-F238E27FC236}">
+                <a16:creationId xmlns:a16="http://schemas.microsoft.com/office/drawing/2014/main" id="{FAEDC897-4DC5-4C69-9A69-8CF50ADCA4DC}"/>
+              </a:ext>
+            </a:extLst>
+          </p:cNvPr>
+          <p:cNvSpPr txBox="1"/>
+          <p:nvPr/>
+        </p:nvSpPr>
+        <p:spPr>
+          <a:xfrm>
+            <a:off x="429370" y="1015118"/>
+            <a:ext cx="11526982" cy="3447098"/>
+          </a:xfrm>
+          <a:prstGeom prst="rect">
+            <a:avLst/>
+          </a:prstGeom>
+          <a:noFill/>
+        </p:spPr>
+        <p:txBody>
+          <a:bodyPr wrap="square" rtlCol="0">
+            <a:spAutoFit/>
+          </a:bodyPr>
+          <a:lstStyle/>
+          <a:p>
+            <a:pPr marL="285750" indent="-285750" fontAlgn="base">
+              <a:buFont typeface="Arial" panose="020B0604020202020204" pitchFamily="34" charset="0"/>
+              <a:buChar char="•"/>
+            </a:pPr>
+            <a:r>
+              <a:rPr lang="en-US" altLang="ko-KR" b="1" dirty="0"/>
+              <a:t>International</a:t>
+            </a:r>
+          </a:p>
+          <a:p>
+            <a:pPr marL="742950" lvl="1" indent="-285750" fontAlgn="base">
+              <a:buFont typeface="Arial" panose="020B0604020202020204" pitchFamily="34" charset="0"/>
+              <a:buChar char="•"/>
+            </a:pPr>
+            <a:r>
+              <a:rPr lang="en-US" altLang="ko-KR" sz="1400" dirty="0"/>
+              <a:t>Method For Processing Data In In-Memory Database Using Non-Volatile Memory And In-Memory Database</a:t>
+            </a:r>
+          </a:p>
+          <a:p>
+            <a:pPr marL="1200150" lvl="2" indent="-285750" fontAlgn="base">
+              <a:buFont typeface="Arial" panose="020B0604020202020204" pitchFamily="34" charset="0"/>
+              <a:buChar char="•"/>
+            </a:pPr>
+            <a:r>
+              <a:rPr lang="en-US" altLang="ko-KR" sz="1400" b="1" dirty="0"/>
+              <a:t>Applicants:</a:t>
+            </a:r>
+            <a:r>
+              <a:rPr lang="en-US" altLang="ko-KR" sz="1400" dirty="0"/>
+              <a:t>	Sanghyun Park, </a:t>
+            </a:r>
+            <a:r>
+              <a:rPr lang="en-US" altLang="ko-KR" sz="1400" u="sng" dirty="0" err="1"/>
+              <a:t>Doyoung</a:t>
+            </a:r>
+            <a:r>
+              <a:rPr lang="en-US" altLang="ko-KR" sz="1400" u="sng" dirty="0"/>
+              <a:t> Kim</a:t>
+            </a:r>
+            <a:r>
+              <a:rPr lang="en-US" altLang="ko-KR" sz="1400" dirty="0"/>
+              <a:t>, </a:t>
+            </a:r>
+            <a:r>
+              <a:rPr lang="en-US" altLang="ko-KR" sz="1400" dirty="0" err="1"/>
+              <a:t>Burgstaller</a:t>
+            </a:r>
+            <a:r>
+              <a:rPr lang="en-US" altLang="ko-KR" sz="1400" dirty="0"/>
+              <a:t> Bernd, Won Gi Choi</a:t>
+            </a:r>
+          </a:p>
+          <a:p>
+            <a:pPr marL="1200150" lvl="2" indent="-285750" fontAlgn="base">
+              <a:buFont typeface="Arial" panose="020B0604020202020204" pitchFamily="34" charset="0"/>
+              <a:buChar char="•"/>
+            </a:pPr>
+            <a:r>
+              <a:rPr lang="en-US" altLang="ko-KR" sz="1400" b="1" dirty="0"/>
+              <a:t>Country:</a:t>
+            </a:r>
+            <a:r>
+              <a:rPr lang="en-US" altLang="ko-KR" sz="1400" dirty="0"/>
+              <a:t>	US</a:t>
+            </a:r>
+          </a:p>
+          <a:p>
+            <a:pPr marL="1200150" lvl="2" indent="-285750" fontAlgn="base">
+              <a:buFont typeface="Arial" panose="020B0604020202020204" pitchFamily="34" charset="0"/>
+              <a:buChar char="•"/>
+            </a:pPr>
+            <a:r>
+              <a:rPr lang="en-US" altLang="ko-KR" sz="1400" b="1" dirty="0"/>
+              <a:t>Status:</a:t>
+            </a:r>
+            <a:r>
+              <a:rPr lang="en-US" altLang="ko-KR" sz="1400" dirty="0"/>
+              <a:t> 	Applied</a:t>
+            </a:r>
+          </a:p>
+          <a:p>
+            <a:pPr marL="1200150" lvl="2" indent="-285750" fontAlgn="base">
+              <a:buFont typeface="Arial" panose="020B0604020202020204" pitchFamily="34" charset="0"/>
+              <a:buChar char="•"/>
+            </a:pPr>
+            <a:r>
+              <a:rPr lang="en-US" altLang="ko-KR" sz="1400" b="1" dirty="0"/>
+              <a:t>ID:</a:t>
+            </a:r>
+            <a:r>
+              <a:rPr lang="en-US" altLang="ko-KR" sz="1400" dirty="0"/>
+              <a:t> 		16/442,227</a:t>
+            </a:r>
+          </a:p>
+          <a:p>
+            <a:pPr marL="1200150" lvl="2" indent="-285750" fontAlgn="base">
+              <a:buFont typeface="Arial" panose="020B0604020202020204" pitchFamily="34" charset="0"/>
+              <a:buChar char="•"/>
+            </a:pPr>
+            <a:r>
+              <a:rPr lang="en-US" altLang="ko-KR" sz="1400" b="1" dirty="0"/>
+              <a:t>Date:</a:t>
+            </a:r>
+            <a:r>
+              <a:rPr lang="en-US" altLang="ko-KR" sz="1400" dirty="0"/>
+              <a:t>		2019. 06. 14</a:t>
+            </a:r>
+          </a:p>
+          <a:p>
+            <a:pPr marL="1200150" lvl="2" indent="-285750" fontAlgn="base">
+              <a:buFont typeface="Arial" panose="020B0604020202020204" pitchFamily="34" charset="0"/>
+              <a:buChar char="•"/>
+            </a:pPr>
+            <a:endParaRPr lang="en-US" altLang="ko-KR" sz="1400" dirty="0"/>
+          </a:p>
+          <a:p>
+            <a:pPr marL="285750" indent="-285750" fontAlgn="base">
+              <a:buFont typeface="Arial" panose="020B0604020202020204" pitchFamily="34" charset="0"/>
+              <a:buChar char="•"/>
+            </a:pPr>
+            <a:r>
+              <a:rPr lang="en-US" altLang="ko-KR" b="1" dirty="0"/>
+              <a:t>Domestic</a:t>
+            </a:r>
+          </a:p>
+          <a:p>
+            <a:pPr marL="742950" lvl="1" indent="-285750" fontAlgn="base">
+              <a:buFont typeface="Arial" panose="020B0604020202020204" pitchFamily="34" charset="0"/>
+              <a:buChar char="•"/>
+            </a:pPr>
+            <a:r>
+              <a:rPr lang="ko-KR" altLang="en-US" sz="1400" dirty="0"/>
+              <a:t>비휘발성 메모리를 이용한 인메모리 데이터베이스의 데이터 처리 방법 및 인메모리 데이터베이스</a:t>
+            </a:r>
+            <a:endParaRPr lang="en-US" altLang="ko-KR" sz="1400" dirty="0"/>
+          </a:p>
+          <a:p>
+            <a:pPr marL="1200150" lvl="2" indent="-285750" fontAlgn="base">
+              <a:buFont typeface="Arial" panose="020B0604020202020204" pitchFamily="34" charset="0"/>
+              <a:buChar char="•"/>
+            </a:pPr>
+            <a:r>
+              <a:rPr lang="en-US" altLang="ko-KR" sz="1400" b="1" dirty="0"/>
+              <a:t>Applicants:</a:t>
+            </a:r>
+            <a:r>
+              <a:rPr lang="en-US" altLang="ko-KR" sz="1400" dirty="0"/>
+              <a:t>	</a:t>
+            </a:r>
+            <a:r>
+              <a:rPr lang="ko-KR" altLang="en-US" sz="1400" dirty="0"/>
+              <a:t>박상현</a:t>
+            </a:r>
+            <a:r>
+              <a:rPr lang="en-US" altLang="ko-KR" sz="1400" dirty="0"/>
+              <a:t>, </a:t>
+            </a:r>
+            <a:r>
+              <a:rPr lang="ko-KR" altLang="en-US" sz="1400" u="sng" dirty="0"/>
+              <a:t>김도영</a:t>
+            </a:r>
+            <a:r>
+              <a:rPr lang="en-US" altLang="ko-KR" sz="1400" dirty="0"/>
+              <a:t>, </a:t>
+            </a:r>
+            <a:r>
+              <a:rPr lang="en-US" altLang="ko-KR" sz="1400" dirty="0" err="1"/>
+              <a:t>Burgstaller</a:t>
+            </a:r>
+            <a:r>
+              <a:rPr lang="en-US" altLang="ko-KR" sz="1400" dirty="0"/>
+              <a:t> Bernd, </a:t>
+            </a:r>
+            <a:r>
+              <a:rPr lang="ko-KR" altLang="en-US" sz="1400" dirty="0"/>
+              <a:t>최원기</a:t>
+            </a:r>
+            <a:endParaRPr lang="en-US" altLang="ko-KR" sz="1400" dirty="0"/>
+          </a:p>
+          <a:p>
+            <a:pPr marL="1200150" lvl="2" indent="-285750" fontAlgn="base">
+              <a:buFont typeface="Arial" panose="020B0604020202020204" pitchFamily="34" charset="0"/>
+              <a:buChar char="•"/>
+            </a:pPr>
+            <a:r>
+              <a:rPr lang="en-US" altLang="ko-KR" sz="1400" b="1" dirty="0"/>
+              <a:t>Country:</a:t>
+            </a:r>
+            <a:r>
+              <a:rPr lang="en-US" altLang="ko-KR" sz="1400" dirty="0"/>
+              <a:t>	</a:t>
+            </a:r>
+            <a:r>
+              <a:rPr lang="ko-KR" altLang="en-US" sz="1400" dirty="0"/>
+              <a:t>대한민국</a:t>
+            </a:r>
+            <a:endParaRPr lang="en-US" altLang="ko-KR" sz="1400" dirty="0"/>
+          </a:p>
+          <a:p>
+            <a:pPr marL="1200150" lvl="2" indent="-285750" fontAlgn="base">
+              <a:buFont typeface="Arial" panose="020B0604020202020204" pitchFamily="34" charset="0"/>
+              <a:buChar char="•"/>
+            </a:pPr>
+            <a:r>
+              <a:rPr lang="en-US" altLang="ko-KR" sz="1400" b="1" dirty="0"/>
+              <a:t>Status:</a:t>
+            </a:r>
+            <a:r>
+              <a:rPr lang="en-US" altLang="ko-KR" sz="1400" dirty="0"/>
+              <a:t>		</a:t>
+            </a:r>
+            <a:r>
+              <a:rPr lang="ko-KR" altLang="en-US" sz="1400" dirty="0"/>
+              <a:t>출원</a:t>
+            </a:r>
+            <a:endParaRPr lang="en-US" altLang="ko-KR" sz="1400" dirty="0"/>
+          </a:p>
+          <a:p>
+            <a:pPr marL="1200150" lvl="2" indent="-285750" fontAlgn="base">
+              <a:buFont typeface="Arial" panose="020B0604020202020204" pitchFamily="34" charset="0"/>
+              <a:buChar char="•"/>
+            </a:pPr>
+            <a:r>
+              <a:rPr lang="en-US" altLang="ko-KR" sz="1400" b="1" dirty="0"/>
+              <a:t>ID:</a:t>
+            </a:r>
+            <a:r>
+              <a:rPr lang="en-US" altLang="ko-KR" sz="1400" dirty="0"/>
+              <a:t>		10-2018-0068039</a:t>
+            </a:r>
+          </a:p>
+          <a:p>
+            <a:pPr marL="1200150" lvl="2" indent="-285750" fontAlgn="base">
+              <a:buFont typeface="Arial" panose="020B0604020202020204" pitchFamily="34" charset="0"/>
+              <a:buChar char="•"/>
+            </a:pPr>
+            <a:r>
+              <a:rPr lang="en-US" altLang="ko-KR" sz="1400" b="1" dirty="0"/>
+              <a:t>Date:</a:t>
+            </a:r>
+            <a:r>
+              <a:rPr lang="en-US" altLang="ko-KR" sz="1400" dirty="0"/>
+              <a:t>		2018. 06. 14</a:t>
+            </a:r>
+          </a:p>
+        </p:txBody>
+      </p:sp>
+    </p:spTree>
+    <p:extLst>
+      <p:ext uri="{BB962C8B-B14F-4D97-AF65-F5344CB8AC3E}">
+        <p14:creationId xmlns:p14="http://schemas.microsoft.com/office/powerpoint/2010/main" val="3701784206"/>
+      </p:ext>
+    </p:extLst>
+  </p:cSld>
+  <p:clrMapOvr>
+    <a:masterClrMapping/>
+  </p:clrMapOvr>
+</p:sld>
+</file>
+
+<file path=ppt/slides/slide14.xml><?xml version="1.0" encoding="utf-8"?>
+<p:sld xmlns:a="http://schemas.openxmlformats.org/drawingml/2006/main" xmlns:r="http://schemas.openxmlformats.org/officeDocument/2006/relationships" xmlns:p="http://schemas.openxmlformats.org/presentationml/2006/main">
+  <p:cSld>
+    <p:spTree>
+      <p:nvGrpSpPr>
+        <p:cNvPr id="1" name=""/>
+        <p:cNvGrpSpPr/>
+        <p:nvPr/>
+      </p:nvGrpSpPr>
+      <p:grpSpPr>
+        <a:xfrm>
+          <a:off x="0" y="0"/>
+          <a:ext cx="0" cy="0"/>
+          <a:chOff x="0" y="0"/>
+          <a:chExt cx="0" cy="0"/>
+        </a:xfrm>
+      </p:grpSpPr>
       <p:sp>
         <p:nvSpPr>
           <p:cNvPr id="3" name="TextBox 2">
@@ -7725,7 +8848,7 @@
 </p:sld>
 </file>
 
-<file path=ppt/slides/slide14.xml><?xml version="1.0" encoding="utf-8"?>
+<file path=ppt/slides/slide15.xml><?xml version="1.0" encoding="utf-8"?>
 <p:sld xmlns:a="http://schemas.openxmlformats.org/drawingml/2006/main" xmlns:r="http://schemas.openxmlformats.org/officeDocument/2006/relationships" xmlns:p="http://schemas.openxmlformats.org/presentationml/2006/main">
   <p:cSld>
     <p:spTree>
@@ -8066,7 +9189,7 @@
 </p:sld>
 </file>
 
-<file path=ppt/slides/slide15.xml><?xml version="1.0" encoding="utf-8"?>
+<file path=ppt/slides/slide16.xml><?xml version="1.0" encoding="utf-8"?>
 <p:sld xmlns:a="http://schemas.openxmlformats.org/drawingml/2006/main" xmlns:r="http://schemas.openxmlformats.org/officeDocument/2006/relationships" xmlns:p="http://schemas.openxmlformats.org/presentationml/2006/main">
   <p:cSld>
     <p:spTree>
@@ -8381,7 +9504,7 @@
 </p:sld>
 </file>
 
-<file path=ppt/slides/slide16.xml><?xml version="1.0" encoding="utf-8"?>
+<file path=ppt/slides/slide17.xml><?xml version="1.0" encoding="utf-8"?>
 <p:sld xmlns:a="http://schemas.openxmlformats.org/drawingml/2006/main" xmlns:r="http://schemas.openxmlformats.org/officeDocument/2006/relationships" xmlns:p="http://schemas.openxmlformats.org/presentationml/2006/main">
   <p:cSld>
     <p:spTree>
@@ -8775,7 +9898,7 @@
                 <a:ea typeface="나눔바른고딕" panose="020B0603020101020101" pitchFamily="50" charset="-127"/>
                 <a:sym typeface="Wingdings" panose="05000000000000000000" pitchFamily="2" charset="2"/>
               </a:rPr>
-              <a:t>2. Papers</a:t>
+              <a:t>2. Papers / Patents</a:t>
             </a:r>
           </a:p>
           <a:p>
